--- a/Thesis/Bundle_Presentation_rev.pptx
+++ b/Thesis/Bundle_Presentation_rev.pptx
@@ -4783,24 +4783,13 @@
             </a:r>
             <a:r>
               <a:rPr lang="en-US" dirty="0" smtClean="0"/>
-              <a:t> list&gt;</a:t>
-            </a:r>
-          </a:p>
-          <a:p>
-            <a:pPr lvl="2"/>
-            <a:r>
-              <a:rPr lang="en-US" dirty="0" smtClean="0"/>
-              <a:t>Ignores .</a:t>
-            </a:r>
-            <a:r>
-              <a:rPr lang="en-US" dirty="0" err="1" smtClean="0"/>
-              <a:t>DS_Store</a:t>
+              <a:t> list</a:t>
+            </a:r>
+            <a:r>
+              <a:rPr lang="en-US" dirty="0" smtClean="0"/>
+              <a:t>&gt;</a:t>
             </a:r>
             <a:endParaRPr lang="en-US" dirty="0" smtClean="0"/>
-          </a:p>
-          <a:p>
-            <a:pPr lvl="2"/>
-            <a:endParaRPr lang="en-US" dirty="0"/>
           </a:p>
         </p:txBody>
       </p:sp>
@@ -5675,11 +5664,7 @@
           <a:p>
             <a:r>
               <a:rPr lang="en-US" dirty="0" smtClean="0"/>
-              <a:t>Hash </a:t>
-            </a:r>
-            <a:r>
-              <a:rPr lang="en-US" dirty="0" smtClean="0"/>
-              <a:t>Table</a:t>
+              <a:t>Hash Table</a:t>
             </a:r>
           </a:p>
           <a:p>
@@ -6314,7 +6299,15 @@
           <a:p>
             <a:r>
               <a:rPr lang="en-US" dirty="0" smtClean="0"/>
-              <a:t>Mapping and using 125MB of data (larger than RAM limit) uses 2.1MB RAM (Live Bytes)</a:t>
+              <a:t>Mapping and using 125MB of data (larger than RAM limit) uses </a:t>
+            </a:r>
+            <a:r>
+              <a:rPr lang="en-US" dirty="0" smtClean="0"/>
+              <a:t>3.1MB </a:t>
+            </a:r>
+            <a:r>
+              <a:rPr lang="en-US" dirty="0" smtClean="0"/>
+              <a:t>RAM (Live Bytes)</a:t>
             </a:r>
             <a:endParaRPr lang="en-US" dirty="0"/>
           </a:p>
@@ -6530,8 +6523,21 @@
             <a:pPr lvl="1"/>
             <a:r>
               <a:rPr lang="en-US" dirty="0" smtClean="0"/>
-              <a:t>Larger Memory Block Available</a:t>
-            </a:r>
+              <a:t>Larger Memory Block </a:t>
+            </a:r>
+            <a:r>
+              <a:rPr lang="en-US" dirty="0" smtClean="0"/>
+              <a:t>Available (700MB VM </a:t>
+            </a:r>
+            <a:r>
+              <a:rPr lang="en-US" dirty="0" err="1" smtClean="0"/>
+              <a:t>iphone</a:t>
+            </a:r>
+            <a:r>
+              <a:rPr lang="en-US" dirty="0" smtClean="0"/>
+              <a:t> 4, 40MB RAM)</a:t>
+            </a:r>
+            <a:endParaRPr lang="en-US" dirty="0" smtClean="0"/>
           </a:p>
           <a:p>
             <a:pPr lvl="1"/>
@@ -7983,7 +7989,6 @@
               <a:rPr lang="en-US" sz="4500" dirty="0"/>
               <a:t>Constructive research method</a:t>
             </a:r>
-            <a:endParaRPr lang="en-US" sz="4500" dirty="0"/>
           </a:p>
         </p:txBody>
       </p:sp>

--- a/Thesis/Bundle_Presentation_rev.pptx
+++ b/Thesis/Bundle_Presentation_rev.pptx
@@ -7164,7 +7164,19 @@
             </a:r>
             <a:r>
               <a:rPr lang="en-US" dirty="0" smtClean="0"/>
-              <a:t> RAM usage can be close to zero for assets</a:t>
+              <a:t> RAM usage can be close to </a:t>
+            </a:r>
+            <a:r>
+              <a:rPr lang="en-US" dirty="0" smtClean="0"/>
+              <a:t>page size (4KB)</a:t>
+            </a:r>
+            <a:r>
+              <a:rPr lang="en-US" dirty="0" smtClean="0"/>
+              <a:t> </a:t>
+            </a:r>
+            <a:r>
+              <a:rPr lang="en-US" dirty="0" smtClean="0"/>
+              <a:t>for assets</a:t>
             </a:r>
           </a:p>
           <a:p>
